--- a/lesson 3/Lesson 3.pptx
+++ b/lesson 3/Lesson 3.pptx
@@ -131,7 +131,7 @@
   <p1510:revLst>
     <p1510:client id="{0C6B8EF6-F8A4-7AB8-7F88-BD27EDEFE434}" v="2" dt="2021-12-02T05:38:51.155"/>
     <p1510:client id="{C89ACF45-C2F8-E76F-58EF-8272F11558CB}" v="235" dt="2021-12-02T10:05:05.975"/>
-    <p1510:client id="{E143B352-6C6B-8238-531D-573B4674CE9C}" v="2330" dt="2021-12-07T08:52:52.064"/>
+    <p1510:client id="{E143B352-6C6B-8238-531D-573B4674CE9C}" v="2349" dt="2021-12-07T09:23:16.743"/>
   </p1510:revLst>
 </p1510:revInfo>
 </file>
@@ -4789,7 +4789,7 @@
                 </a:solidFill>
                 <a:cs typeface="Calibri"/>
               </a:rPr>
-              <a:t>Приоритет операторов</a:t>
+              <a:t>Изменение порядка вычисления</a:t>
             </a:r>
             <a:endParaRPr lang="en-US" dirty="0"/>
           </a:p>
